--- a/week_1/1.1 - 1.5 Intro to Python.pptx
+++ b/week_1/1.1 - 1.5 Intro to Python.pptx
@@ -5,7 +5,7 @@
     <p:sldMasterId id="2147483648" r:id="rId1"/>
   </p:sldMasterIdLst>
   <p:notesMasterIdLst>
-    <p:notesMasterId r:id="rId33"/>
+    <p:notesMasterId r:id="rId34"/>
   </p:notesMasterIdLst>
   <p:sldIdLst>
     <p:sldId id="256" r:id="rId2"/>
@@ -35,10 +35,11 @@
     <p:sldId id="287" r:id="rId26"/>
     <p:sldId id="291" r:id="rId27"/>
     <p:sldId id="292" r:id="rId28"/>
-    <p:sldId id="293" r:id="rId29"/>
-    <p:sldId id="272" r:id="rId30"/>
-    <p:sldId id="278" r:id="rId31"/>
-    <p:sldId id="274" r:id="rId32"/>
+    <p:sldId id="301" r:id="rId29"/>
+    <p:sldId id="293" r:id="rId30"/>
+    <p:sldId id="272" r:id="rId31"/>
+    <p:sldId id="278" r:id="rId32"/>
+    <p:sldId id="274" r:id="rId33"/>
   </p:sldIdLst>
   <p:sldSz cx="9144000" cy="6858000" type="screen4x3"/>
   <p:notesSz cx="6858000" cy="9144000"/>
@@ -222,7 +223,7 @@
           <a:p>
             <a:fld id="{2B1A9BC7-5E19-CB4B-B22A-915B012DE73A}" type="datetimeFigureOut">
               <a:rPr lang="en-US" smtClean="0"/>
-              <a:t>8/22/15</a:t>
+              <a:t>9/20/15</a:t>
             </a:fld>
             <a:endParaRPr lang="en-US"/>
           </a:p>
@@ -1096,7 +1097,7 @@
           <a:p>
             <a:fld id="{145C530C-477C-194C-8B92-CA968C2BDAE6}" type="datetimeFigureOut">
               <a:rPr lang="en-US" smtClean="0"/>
-              <a:t>8/22/15</a:t>
+              <a:t>9/20/15</a:t>
             </a:fld>
             <a:endParaRPr lang="en-US"/>
           </a:p>
@@ -1266,7 +1267,7 @@
           <a:p>
             <a:fld id="{145C530C-477C-194C-8B92-CA968C2BDAE6}" type="datetimeFigureOut">
               <a:rPr lang="en-US" smtClean="0"/>
-              <a:t>8/22/15</a:t>
+              <a:t>9/20/15</a:t>
             </a:fld>
             <a:endParaRPr lang="en-US"/>
           </a:p>
@@ -1446,7 +1447,7 @@
           <a:p>
             <a:fld id="{145C530C-477C-194C-8B92-CA968C2BDAE6}" type="datetimeFigureOut">
               <a:rPr lang="en-US" smtClean="0"/>
-              <a:t>8/22/15</a:t>
+              <a:t>9/20/15</a:t>
             </a:fld>
             <a:endParaRPr lang="en-US"/>
           </a:p>
@@ -1616,7 +1617,7 @@
           <a:p>
             <a:fld id="{145C530C-477C-194C-8B92-CA968C2BDAE6}" type="datetimeFigureOut">
               <a:rPr lang="en-US" smtClean="0"/>
-              <a:t>8/22/15</a:t>
+              <a:t>9/20/15</a:t>
             </a:fld>
             <a:endParaRPr lang="en-US"/>
           </a:p>
@@ -1862,7 +1863,7 @@
           <a:p>
             <a:fld id="{145C530C-477C-194C-8B92-CA968C2BDAE6}" type="datetimeFigureOut">
               <a:rPr lang="en-US" smtClean="0"/>
-              <a:t>8/22/15</a:t>
+              <a:t>9/20/15</a:t>
             </a:fld>
             <a:endParaRPr lang="en-US"/>
           </a:p>
@@ -2150,7 +2151,7 @@
           <a:p>
             <a:fld id="{145C530C-477C-194C-8B92-CA968C2BDAE6}" type="datetimeFigureOut">
               <a:rPr lang="en-US" smtClean="0"/>
-              <a:t>8/22/15</a:t>
+              <a:t>9/20/15</a:t>
             </a:fld>
             <a:endParaRPr lang="en-US"/>
           </a:p>
@@ -2572,7 +2573,7 @@
           <a:p>
             <a:fld id="{145C530C-477C-194C-8B92-CA968C2BDAE6}" type="datetimeFigureOut">
               <a:rPr lang="en-US" smtClean="0"/>
-              <a:t>8/22/15</a:t>
+              <a:t>9/20/15</a:t>
             </a:fld>
             <a:endParaRPr lang="en-US"/>
           </a:p>
@@ -2690,7 +2691,7 @@
           <a:p>
             <a:fld id="{145C530C-477C-194C-8B92-CA968C2BDAE6}" type="datetimeFigureOut">
               <a:rPr lang="en-US" smtClean="0"/>
-              <a:t>8/22/15</a:t>
+              <a:t>9/20/15</a:t>
             </a:fld>
             <a:endParaRPr lang="en-US"/>
           </a:p>
@@ -2785,7 +2786,7 @@
           <a:p>
             <a:fld id="{145C530C-477C-194C-8B92-CA968C2BDAE6}" type="datetimeFigureOut">
               <a:rPr lang="en-US" smtClean="0"/>
-              <a:t>8/22/15</a:t>
+              <a:t>9/20/15</a:t>
             </a:fld>
             <a:endParaRPr lang="en-US"/>
           </a:p>
@@ -3062,7 +3063,7 @@
           <a:p>
             <a:fld id="{145C530C-477C-194C-8B92-CA968C2BDAE6}" type="datetimeFigureOut">
               <a:rPr lang="en-US" smtClean="0"/>
-              <a:t>8/22/15</a:t>
+              <a:t>9/20/15</a:t>
             </a:fld>
             <a:endParaRPr lang="en-US"/>
           </a:p>
@@ -3315,7 +3316,7 @@
           <a:p>
             <a:fld id="{145C530C-477C-194C-8B92-CA968C2BDAE6}" type="datetimeFigureOut">
               <a:rPr lang="en-US" smtClean="0"/>
-              <a:t>8/22/15</a:t>
+              <a:t>9/20/15</a:t>
             </a:fld>
             <a:endParaRPr lang="en-US"/>
           </a:p>
@@ -3528,7 +3529,7 @@
           <a:p>
             <a:fld id="{145C530C-477C-194C-8B92-CA968C2BDAE6}" type="datetimeFigureOut">
               <a:rPr lang="en-US" smtClean="0"/>
-              <a:t>8/22/15</a:t>
+              <a:t>9/20/15</a:t>
             </a:fld>
             <a:endParaRPr lang="en-US"/>
           </a:p>
@@ -8141,7 +8142,15 @@
           <a:p>
             <a:r>
               <a:rPr lang="en-US" dirty="0" smtClean="0"/>
-              <a:t>It’s very declarative.  You have to </a:t>
+              <a:t>It’s very </a:t>
+            </a:r>
+            <a:r>
+              <a:rPr lang="en-US" dirty="0" smtClean="0"/>
+              <a:t>verbose.  </a:t>
+            </a:r>
+            <a:r>
+              <a:rPr lang="en-US" dirty="0" smtClean="0"/>
+              <a:t>You have to </a:t>
             </a:r>
             <a:r>
               <a:rPr lang="en-US" dirty="0" err="1" smtClean="0"/>
@@ -8956,7 +8965,7 @@
           <a:p>
             <a:r>
               <a:rPr lang="en-US" dirty="0" smtClean="0"/>
-              <a:t>Python</a:t>
+              <a:t>Lisps</a:t>
             </a:r>
             <a:endParaRPr lang="en-US" dirty="0"/>
           </a:p>
@@ -8979,176 +8988,71 @@
           <a:p>
             <a:r>
               <a:rPr lang="en-US" dirty="0" smtClean="0"/>
-              <a:t>Python is among the highest level languages.</a:t>
-            </a:r>
-          </a:p>
-          <a:p>
-            <a:r>
-              <a:rPr lang="en-US" dirty="0" smtClean="0"/>
-              <a:t>It’s gained popularity rapidly, since it’s so fast to develop in, and programmers generally like using it.</a:t>
-            </a:r>
-          </a:p>
-          <a:p>
-            <a:endParaRPr lang="en-US" dirty="0"/>
-          </a:p>
-          <a:p>
-            <a:pPr marL="0" indent="0">
-              <a:buNone/>
-            </a:pPr>
-            <a:r>
-              <a:rPr lang="en-US" dirty="0">
-                <a:solidFill>
-                  <a:srgbClr val="000075"/>
-                </a:solidFill>
-                <a:latin typeface="Times-Roman"/>
-              </a:rPr>
-              <a:t>language</a:t>
-            </a:r>
-            <a:r>
-              <a:rPr lang="en-US" dirty="0">
-                <a:solidFill>
-                  <a:prstClr val="black"/>
-                </a:solidFill>
-                <a:latin typeface="Times-Roman"/>
-              </a:rPr>
-              <a:t> </a:t>
-            </a:r>
-            <a:r>
-              <a:rPr lang="en-US" dirty="0">
-                <a:solidFill>
-                  <a:srgbClr val="434343"/>
-                </a:solidFill>
-                <a:latin typeface="Times-Roman"/>
-              </a:rPr>
-              <a:t>=</a:t>
-            </a:r>
-            <a:r>
-              <a:rPr lang="en-US" dirty="0">
-                <a:solidFill>
-                  <a:prstClr val="black"/>
-                </a:solidFill>
-                <a:latin typeface="Times-Roman"/>
-              </a:rPr>
-              <a:t> </a:t>
-            </a:r>
-            <a:r>
-              <a:rPr lang="en-US" dirty="0">
-                <a:solidFill>
-                  <a:srgbClr val="FC4F08"/>
-                </a:solidFill>
-                <a:latin typeface="Times-Roman"/>
-              </a:rPr>
-              <a:t>7</a:t>
-            </a:r>
-            <a:endParaRPr lang="en-US" dirty="0">
-              <a:solidFill>
-                <a:prstClr val="black"/>
-              </a:solidFill>
-              <a:latin typeface="Times-Roman"/>
-            </a:endParaRPr>
-          </a:p>
-          <a:p>
-            <a:pPr marL="0" indent="0">
-              <a:buNone/>
-            </a:pPr>
-            <a:r>
-              <a:rPr lang="en-US" dirty="0">
-                <a:solidFill>
-                  <a:srgbClr val="0A5287"/>
-                </a:solidFill>
-                <a:latin typeface="Times-Roman"/>
-              </a:rPr>
-              <a:t>print</a:t>
-            </a:r>
-            <a:r>
-              <a:rPr lang="en-US" dirty="0">
-                <a:solidFill>
-                  <a:prstClr val="black"/>
-                </a:solidFill>
-                <a:latin typeface="Times-Roman"/>
-              </a:rPr>
-              <a:t>(</a:t>
-            </a:r>
-            <a:r>
-              <a:rPr lang="en-US" dirty="0">
-                <a:solidFill>
-                  <a:srgbClr val="BE1F04"/>
-                </a:solidFill>
-                <a:latin typeface="Times-Roman"/>
-              </a:rPr>
-              <a:t>"Language </a:t>
-            </a:r>
-            <a:r>
-              <a:rPr lang="en-US" dirty="0">
-                <a:solidFill>
-                  <a:srgbClr val="980003"/>
-                </a:solidFill>
-                <a:latin typeface="Times-Roman"/>
-              </a:rPr>
-              <a:t>%s</a:t>
-            </a:r>
-            <a:r>
-              <a:rPr lang="en-US" dirty="0">
-                <a:solidFill>
-                  <a:srgbClr val="BE1F04"/>
-                </a:solidFill>
-                <a:latin typeface="Times-Roman"/>
-              </a:rPr>
-              <a:t>: I am Python. What's for supper?"</a:t>
-            </a:r>
-            <a:r>
-              <a:rPr lang="en-US" dirty="0">
-                <a:solidFill>
-                  <a:prstClr val="black"/>
-                </a:solidFill>
-                <a:latin typeface="Times-Roman"/>
-              </a:rPr>
-              <a:t> </a:t>
-            </a:r>
-            <a:r>
-              <a:rPr lang="en-US" dirty="0">
-                <a:solidFill>
-                  <a:srgbClr val="434343"/>
-                </a:solidFill>
-                <a:latin typeface="Times-Roman"/>
-              </a:rPr>
-              <a:t>%</a:t>
-            </a:r>
-            <a:r>
-              <a:rPr lang="en-US" dirty="0">
-                <a:solidFill>
-                  <a:prstClr val="black"/>
-                </a:solidFill>
-                <a:latin typeface="Times-Roman"/>
-              </a:rPr>
-              <a:t> </a:t>
-            </a:r>
-            <a:r>
-              <a:rPr lang="en-US" dirty="0">
-                <a:solidFill>
-                  <a:srgbClr val="000075"/>
-                </a:solidFill>
-                <a:latin typeface="Times-Roman"/>
-              </a:rPr>
-              <a:t>language</a:t>
-            </a:r>
-            <a:r>
-              <a:rPr lang="en-US" dirty="0">
-                <a:solidFill>
-                  <a:prstClr val="black"/>
-                </a:solidFill>
-                <a:latin typeface="Times-Roman"/>
-              </a:rPr>
-              <a:t>)</a:t>
-            </a:r>
-            <a:endParaRPr lang="en-US" dirty="0"/>
-          </a:p>
-        </p:txBody>
-      </p:sp>
+              <a:t>Second oldest high level programming language used today</a:t>
+            </a:r>
+          </a:p>
+          <a:p>
+            <a:r>
+              <a:rPr lang="en-US" dirty="0" smtClean="0"/>
+              <a:t>Uses lots of parenthesis and polish notation</a:t>
+            </a:r>
+          </a:p>
+          <a:p>
+            <a:r>
+              <a:rPr lang="en-US" dirty="0" smtClean="0"/>
+              <a:t>Stands for “</a:t>
+            </a:r>
+            <a:r>
+              <a:rPr lang="en-US" dirty="0" err="1" smtClean="0"/>
+              <a:t>LISt</a:t>
+            </a:r>
+            <a:r>
+              <a:rPr lang="en-US" dirty="0" smtClean="0"/>
+              <a:t> Processing”</a:t>
+            </a:r>
+          </a:p>
+          <a:p>
+            <a:r>
+              <a:rPr lang="en-US" dirty="0" smtClean="0"/>
+              <a:t>Steep learning curve but very expressive</a:t>
+            </a:r>
+          </a:p>
+        </p:txBody>
+      </p:sp>
+      <p:pic>
+        <p:nvPicPr>
+          <p:cNvPr id="5" name="Picture 4" descr="hello-world_clj.png"/>
+          <p:cNvPicPr>
+            <a:picLocks noChangeAspect="1"/>
+          </p:cNvPicPr>
+          <p:nvPr/>
+        </p:nvPicPr>
+        <p:blipFill>
+          <a:blip r:embed="rId2">
+            <a:extLst>
+              <a:ext uri="{28A0092B-C50C-407E-A947-70E740481C1C}">
+                <a14:useLocalDpi xmlns:a14="http://schemas.microsoft.com/office/drawing/2010/main" val="0"/>
+              </a:ext>
+            </a:extLst>
+          </a:blip>
+          <a:stretch>
+            <a:fillRect/>
+          </a:stretch>
+        </p:blipFill>
+        <p:spPr>
+          <a:xfrm>
+            <a:off x="1924312" y="5060154"/>
+            <a:ext cx="5295377" cy="1066009"/>
+          </a:xfrm>
+          <a:prstGeom prst="rect">
+            <a:avLst/>
+          </a:prstGeom>
+        </p:spPr>
+      </p:pic>
     </p:spTree>
     <p:extLst>
       <p:ext uri="{BB962C8B-B14F-4D97-AF65-F5344CB8AC3E}">
-        <p14:creationId xmlns:p14="http://schemas.microsoft.com/office/powerpoint/2010/main" val="3044983957"/>
+        <p14:creationId xmlns:p14="http://schemas.microsoft.com/office/powerpoint/2010/main" val="66431338"/>
       </p:ext>
     </p:extLst>
   </p:cSld>
@@ -9192,7 +9096,7 @@
           <a:p>
             <a:r>
               <a:rPr lang="en-US" dirty="0" smtClean="0"/>
-              <a:t>Advantages of Python</a:t>
+              <a:t>Python</a:t>
             </a:r>
             <a:endParaRPr lang="en-US" dirty="0"/>
           </a:p>
@@ -9208,110 +9112,174 @@
             <p:ph idx="1"/>
           </p:nvPr>
         </p:nvSpPr>
-        <p:spPr>
-          <a:xfrm>
-            <a:off x="457200" y="1600200"/>
-            <a:ext cx="8229600" cy="4525963"/>
-          </a:xfrm>
-        </p:spPr>
-        <p:txBody>
-          <a:bodyPr>
-            <a:normAutofit fontScale="92500" lnSpcReduction="10000"/>
-          </a:bodyPr>
-          <a:lstStyle/>
-          <a:p>
-            <a:r>
-              <a:rPr lang="en-US" dirty="0" smtClean="0"/>
-              <a:t>Easy to learn</a:t>
-            </a:r>
-          </a:p>
-          <a:p>
-            <a:r>
-              <a:rPr lang="en-US" dirty="0" smtClean="0"/>
-              <a:t>Fast to develop</a:t>
-            </a:r>
-          </a:p>
-          <a:p>
-            <a:r>
-              <a:rPr lang="en-US" dirty="0" smtClean="0"/>
-              <a:t>Used in many commercial applications</a:t>
-            </a:r>
-          </a:p>
-          <a:p>
-            <a:r>
-              <a:rPr lang="en-US" dirty="0" smtClean="0"/>
-              <a:t>Simple syntax “Gets out of the way”</a:t>
+        <p:spPr/>
+        <p:txBody>
+          <a:bodyPr/>
+          <a:lstStyle/>
+          <a:p>
+            <a:r>
+              <a:rPr lang="en-US" dirty="0" smtClean="0"/>
+              <a:t>Python is among the highest level languages.</a:t>
+            </a:r>
+          </a:p>
+          <a:p>
+            <a:r>
+              <a:rPr lang="en-US" dirty="0" smtClean="0"/>
+              <a:t>It’s gained popularity rapidly, since it’s so fast to develop in, and programmers generally like using it.</a:t>
             </a:r>
           </a:p>
           <a:p>
             <a:endParaRPr lang="en-US" dirty="0"/>
           </a:p>
           <a:p>
-            <a:endParaRPr lang="en-US" dirty="0" smtClean="0"/>
-          </a:p>
-          <a:p>
-            <a:r>
-              <a:rPr lang="en-US" dirty="0"/>
-              <a:t>W</a:t>
-            </a:r>
-            <a:r>
-              <a:rPr lang="en-US" dirty="0" smtClean="0"/>
-              <a:t>orse performance than C or Java</a:t>
-            </a:r>
-          </a:p>
-          <a:p>
-            <a:pPr lvl="1"/>
-            <a:r>
-              <a:rPr lang="en-US" dirty="0" smtClean="0"/>
-              <a:t>But the interpreter has been optimized a lot, and the gap is not significant for most applications.</a:t>
-            </a:r>
-          </a:p>
-          <a:p>
-            <a:endParaRPr lang="en-US" dirty="0"/>
-          </a:p>
-        </p:txBody>
-      </p:sp>
-      <p:sp>
-        <p:nvSpPr>
-          <p:cNvPr id="4" name="Rectangle 3"/>
-          <p:cNvSpPr/>
-          <p:nvPr/>
-        </p:nvSpPr>
-        <p:spPr>
-          <a:xfrm>
-            <a:off x="2652767" y="3744044"/>
-            <a:ext cx="2572378" cy="819825"/>
-          </a:xfrm>
-          <a:prstGeom prst="rect">
-            <a:avLst/>
-          </a:prstGeom>
-        </p:spPr>
-        <p:style>
-          <a:lnRef idx="1">
-            <a:schemeClr val="accent1"/>
-          </a:lnRef>
-          <a:fillRef idx="2">
-            <a:schemeClr val="accent1"/>
-          </a:fillRef>
-          <a:effectRef idx="1">
-            <a:schemeClr val="accent1"/>
-          </a:effectRef>
-          <a:fontRef idx="minor">
-            <a:schemeClr val="dk1"/>
-          </a:fontRef>
-        </p:style>
-        <p:txBody>
-          <a:bodyPr rtlCol="0" anchor="ctr"/>
-          <a:lstStyle/>
-          <a:p>
-            <a:pPr algn="ctr"/>
-            <a:r>
-              <a:rPr lang="en-US" dirty="0"/>
-              <a:t>p</a:t>
-            </a:r>
-            <a:r>
-              <a:rPr lang="en-US" dirty="0" smtClean="0"/>
-              <a:t>rint(“hello world!”)</a:t>
+            <a:pPr marL="0" indent="0">
+              <a:buNone/>
+            </a:pPr>
+            <a:r>
+              <a:rPr lang="en-US" dirty="0">
+                <a:solidFill>
+                  <a:srgbClr val="000075"/>
+                </a:solidFill>
+                <a:latin typeface="Times-Roman"/>
+              </a:rPr>
+              <a:t>language</a:t>
+            </a:r>
+            <a:r>
+              <a:rPr lang="en-US" dirty="0">
+                <a:solidFill>
+                  <a:prstClr val="black"/>
+                </a:solidFill>
+                <a:latin typeface="Times-Roman"/>
+              </a:rPr>
+              <a:t> </a:t>
+            </a:r>
+            <a:r>
+              <a:rPr lang="en-US" dirty="0">
+                <a:solidFill>
+                  <a:srgbClr val="434343"/>
+                </a:solidFill>
+                <a:latin typeface="Times-Roman"/>
+              </a:rPr>
+              <a:t>=</a:t>
+            </a:r>
+            <a:r>
+              <a:rPr lang="en-US" dirty="0">
+                <a:solidFill>
+                  <a:prstClr val="black"/>
+                </a:solidFill>
+                <a:latin typeface="Times-Roman"/>
+              </a:rPr>
+              <a:t> </a:t>
+            </a:r>
+            <a:r>
+              <a:rPr lang="en-US" dirty="0">
+                <a:solidFill>
+                  <a:srgbClr val="FC4F08"/>
+                </a:solidFill>
+                <a:latin typeface="Times-Roman"/>
+              </a:rPr>
+              <a:t>7</a:t>
+            </a:r>
+            <a:endParaRPr lang="en-US" dirty="0">
+              <a:solidFill>
+                <a:prstClr val="black"/>
+              </a:solidFill>
+              <a:latin typeface="Times-Roman"/>
+            </a:endParaRPr>
+          </a:p>
+          <a:p>
+            <a:pPr marL="0" indent="0">
+              <a:buNone/>
+            </a:pPr>
+            <a:r>
+              <a:rPr lang="en-US" dirty="0">
+                <a:solidFill>
+                  <a:srgbClr val="0A5287"/>
+                </a:solidFill>
+                <a:latin typeface="Times-Roman"/>
+              </a:rPr>
+              <a:t>print</a:t>
+            </a:r>
+            <a:r>
+              <a:rPr lang="en-US" dirty="0">
+                <a:solidFill>
+                  <a:prstClr val="black"/>
+                </a:solidFill>
+                <a:latin typeface="Times-Roman"/>
+              </a:rPr>
+              <a:t>(</a:t>
+            </a:r>
+            <a:r>
+              <a:rPr lang="en-US" dirty="0">
+                <a:solidFill>
+                  <a:srgbClr val="BE1F04"/>
+                </a:solidFill>
+                <a:latin typeface="Times-Roman"/>
+              </a:rPr>
+              <a:t>"Language </a:t>
+            </a:r>
+            <a:r>
+              <a:rPr lang="en-US" dirty="0">
+                <a:solidFill>
+                  <a:srgbClr val="980003"/>
+                </a:solidFill>
+                <a:latin typeface="Times-Roman"/>
+              </a:rPr>
+              <a:t>%s</a:t>
+            </a:r>
+            <a:r>
+              <a:rPr lang="en-US" dirty="0">
+                <a:solidFill>
+                  <a:srgbClr val="BE1F04"/>
+                </a:solidFill>
+                <a:latin typeface="Times-Roman"/>
+              </a:rPr>
+              <a:t>: I am Python. What's for supper?"</a:t>
+            </a:r>
+            <a:r>
+              <a:rPr lang="en-US" dirty="0">
+                <a:solidFill>
+                  <a:prstClr val="black"/>
+                </a:solidFill>
+                <a:latin typeface="Times-Roman"/>
+              </a:rPr>
+              <a:t> </a:t>
+            </a:r>
+            <a:r>
+              <a:rPr lang="en-US" dirty="0">
+                <a:solidFill>
+                  <a:srgbClr val="434343"/>
+                </a:solidFill>
+                <a:latin typeface="Times-Roman"/>
+              </a:rPr>
+              <a:t>%</a:t>
+            </a:r>
+            <a:r>
+              <a:rPr lang="en-US" dirty="0">
+                <a:solidFill>
+                  <a:prstClr val="black"/>
+                </a:solidFill>
+                <a:latin typeface="Times-Roman"/>
+              </a:rPr>
+              <a:t> </a:t>
+            </a:r>
+            <a:r>
+              <a:rPr lang="en-US" dirty="0">
+                <a:solidFill>
+                  <a:srgbClr val="000075"/>
+                </a:solidFill>
+                <a:latin typeface="Times-Roman"/>
+              </a:rPr>
+              <a:t>language</a:t>
+            </a:r>
+            <a:r>
+              <a:rPr lang="en-US" dirty="0">
+                <a:solidFill>
+                  <a:prstClr val="black"/>
+                </a:solidFill>
+                <a:latin typeface="Times-Roman"/>
+              </a:rPr>
+              <a:t>)</a:t>
             </a:r>
             <a:endParaRPr lang="en-US" dirty="0"/>
           </a:p>
@@ -9320,7 +9288,7 @@
     </p:spTree>
     <p:extLst>
       <p:ext uri="{BB962C8B-B14F-4D97-AF65-F5344CB8AC3E}">
-        <p14:creationId xmlns:p14="http://schemas.microsoft.com/office/powerpoint/2010/main" val="2226456003"/>
+        <p14:creationId xmlns:p14="http://schemas.microsoft.com/office/powerpoint/2010/main" val="3044983957"/>
       </p:ext>
     </p:extLst>
   </p:cSld>
@@ -9490,6 +9458,178 @@
           <a:p>
             <a:r>
               <a:rPr lang="en-US" dirty="0" smtClean="0"/>
+              <a:t>Advantages of Python</a:t>
+            </a:r>
+            <a:endParaRPr lang="en-US" dirty="0"/>
+          </a:p>
+        </p:txBody>
+      </p:sp>
+      <p:sp>
+        <p:nvSpPr>
+          <p:cNvPr id="3" name="Content Placeholder 2"/>
+          <p:cNvSpPr>
+            <a:spLocks noGrp="1"/>
+          </p:cNvSpPr>
+          <p:nvPr>
+            <p:ph idx="1"/>
+          </p:nvPr>
+        </p:nvSpPr>
+        <p:spPr>
+          <a:xfrm>
+            <a:off x="457200" y="1600200"/>
+            <a:ext cx="8229600" cy="4525963"/>
+          </a:xfrm>
+        </p:spPr>
+        <p:txBody>
+          <a:bodyPr>
+            <a:normAutofit fontScale="92500" lnSpcReduction="10000"/>
+          </a:bodyPr>
+          <a:lstStyle/>
+          <a:p>
+            <a:r>
+              <a:rPr lang="en-US" dirty="0" smtClean="0"/>
+              <a:t>Easy to learn</a:t>
+            </a:r>
+          </a:p>
+          <a:p>
+            <a:r>
+              <a:rPr lang="en-US" dirty="0" smtClean="0"/>
+              <a:t>Fast to develop</a:t>
+            </a:r>
+          </a:p>
+          <a:p>
+            <a:r>
+              <a:rPr lang="en-US" dirty="0" smtClean="0"/>
+              <a:t>Used in many commercial applications</a:t>
+            </a:r>
+          </a:p>
+          <a:p>
+            <a:r>
+              <a:rPr lang="en-US" dirty="0" smtClean="0"/>
+              <a:t>Simple syntax “Gets out of the way”</a:t>
+            </a:r>
+          </a:p>
+          <a:p>
+            <a:endParaRPr lang="en-US" dirty="0"/>
+          </a:p>
+          <a:p>
+            <a:endParaRPr lang="en-US" dirty="0" smtClean="0"/>
+          </a:p>
+          <a:p>
+            <a:r>
+              <a:rPr lang="en-US" dirty="0"/>
+              <a:t>W</a:t>
+            </a:r>
+            <a:r>
+              <a:rPr lang="en-US" dirty="0" smtClean="0"/>
+              <a:t>orse performance than C or Java</a:t>
+            </a:r>
+          </a:p>
+          <a:p>
+            <a:pPr lvl="1"/>
+            <a:r>
+              <a:rPr lang="en-US" dirty="0" smtClean="0"/>
+              <a:t>But the interpreter has been optimized a lot, and the gap is not significant for most applications.</a:t>
+            </a:r>
+          </a:p>
+          <a:p>
+            <a:endParaRPr lang="en-US" dirty="0"/>
+          </a:p>
+        </p:txBody>
+      </p:sp>
+      <p:sp>
+        <p:nvSpPr>
+          <p:cNvPr id="4" name="Rectangle 3"/>
+          <p:cNvSpPr/>
+          <p:nvPr/>
+        </p:nvSpPr>
+        <p:spPr>
+          <a:xfrm>
+            <a:off x="2652767" y="3744044"/>
+            <a:ext cx="2572378" cy="819825"/>
+          </a:xfrm>
+          <a:prstGeom prst="rect">
+            <a:avLst/>
+          </a:prstGeom>
+        </p:spPr>
+        <p:style>
+          <a:lnRef idx="1">
+            <a:schemeClr val="accent1"/>
+          </a:lnRef>
+          <a:fillRef idx="2">
+            <a:schemeClr val="accent1"/>
+          </a:fillRef>
+          <a:effectRef idx="1">
+            <a:schemeClr val="accent1"/>
+          </a:effectRef>
+          <a:fontRef idx="minor">
+            <a:schemeClr val="dk1"/>
+          </a:fontRef>
+        </p:style>
+        <p:txBody>
+          <a:bodyPr rtlCol="0" anchor="ctr"/>
+          <a:lstStyle/>
+          <a:p>
+            <a:pPr algn="ctr"/>
+            <a:r>
+              <a:rPr lang="en-US" dirty="0"/>
+              <a:t>p</a:t>
+            </a:r>
+            <a:r>
+              <a:rPr lang="en-US" dirty="0" smtClean="0"/>
+              <a:t>rint(“hello world!”)</a:t>
+            </a:r>
+            <a:endParaRPr lang="en-US" dirty="0"/>
+          </a:p>
+        </p:txBody>
+      </p:sp>
+    </p:spTree>
+    <p:extLst>
+      <p:ext uri="{BB962C8B-B14F-4D97-AF65-F5344CB8AC3E}">
+        <p14:creationId xmlns:p14="http://schemas.microsoft.com/office/powerpoint/2010/main" val="2226456003"/>
+      </p:ext>
+    </p:extLst>
+  </p:cSld>
+  <p:clrMapOvr>
+    <a:masterClrMapping/>
+  </p:clrMapOvr>
+</p:sld>
+</file>
+
+<file path=ppt/slides/slide31.xml><?xml version="1.0" encoding="utf-8"?>
+<p:sld xmlns:a="http://schemas.openxmlformats.org/drawingml/2006/main" xmlns:r="http://schemas.openxmlformats.org/officeDocument/2006/relationships" xmlns:p="http://schemas.openxmlformats.org/presentationml/2006/main">
+  <p:cSld>
+    <p:spTree>
+      <p:nvGrpSpPr>
+        <p:cNvPr id="1" name=""/>
+        <p:cNvGrpSpPr/>
+        <p:nvPr/>
+      </p:nvGrpSpPr>
+      <p:grpSpPr>
+        <a:xfrm>
+          <a:off x="0" y="0"/>
+          <a:ext cx="0" cy="0"/>
+          <a:chOff x="0" y="0"/>
+          <a:chExt cx="0" cy="0"/>
+        </a:xfrm>
+      </p:grpSpPr>
+      <p:sp>
+        <p:nvSpPr>
+          <p:cNvPr id="2" name="Title 1"/>
+          <p:cNvSpPr>
+            <a:spLocks noGrp="1"/>
+          </p:cNvSpPr>
+          <p:nvPr>
+            <p:ph type="title"/>
+          </p:nvPr>
+        </p:nvSpPr>
+        <p:spPr/>
+        <p:txBody>
+          <a:bodyPr/>
+          <a:lstStyle/>
+          <a:p>
+            <a:r>
+              <a:rPr lang="en-US" dirty="0" smtClean="0"/>
               <a:t>Python </a:t>
             </a:r>
             <a:r>
@@ -9557,8 +9697,13 @@
           <a:p>
             <a:r>
               <a:rPr lang="en-US" dirty="0" smtClean="0"/>
-              <a:t>The answer if ultimately unclear, but Python is likely to outpace R as a data analysis language in the future.</a:t>
-            </a:r>
+              <a:t>The answer if ultimately </a:t>
+            </a:r>
+            <a:r>
+              <a:rPr lang="en-US" dirty="0" smtClean="0"/>
+              <a:t>unclear Python and R both have their strengths and weaknesses</a:t>
+            </a:r>
+            <a:endParaRPr lang="en-US" dirty="0" smtClean="0"/>
           </a:p>
           <a:p>
             <a:pPr lvl="1"/>
@@ -9579,7 +9724,7 @@
 </p:sld>
 </file>
 
-<file path=ppt/slides/slide31.xml><?xml version="1.0" encoding="utf-8"?>
+<file path=ppt/slides/slide32.xml><?xml version="1.0" encoding="utf-8"?>
 <p:sld xmlns:a="http://schemas.openxmlformats.org/drawingml/2006/main" xmlns:r="http://schemas.openxmlformats.org/officeDocument/2006/relationships" xmlns:p="http://schemas.openxmlformats.org/presentationml/2006/main">
   <p:cSld>
     <p:spTree>

--- a/week_1/1.1 - 1.5 Intro to Python.pptx
+++ b/week_1/1.1 - 1.5 Intro to Python.pptx
@@ -223,7 +223,7 @@
           <a:p>
             <a:fld id="{2B1A9BC7-5E19-CB4B-B22A-915B012DE73A}" type="datetimeFigureOut">
               <a:rPr lang="en-US" smtClean="0"/>
-              <a:t>9/20/15</a:t>
+              <a:t>9/28/15</a:t>
             </a:fld>
             <a:endParaRPr lang="en-US"/>
           </a:p>
@@ -1097,7 +1097,7 @@
           <a:p>
             <a:fld id="{145C530C-477C-194C-8B92-CA968C2BDAE6}" type="datetimeFigureOut">
               <a:rPr lang="en-US" smtClean="0"/>
-              <a:t>9/20/15</a:t>
+              <a:t>9/28/15</a:t>
             </a:fld>
             <a:endParaRPr lang="en-US"/>
           </a:p>
@@ -1267,7 +1267,7 @@
           <a:p>
             <a:fld id="{145C530C-477C-194C-8B92-CA968C2BDAE6}" type="datetimeFigureOut">
               <a:rPr lang="en-US" smtClean="0"/>
-              <a:t>9/20/15</a:t>
+              <a:t>9/28/15</a:t>
             </a:fld>
             <a:endParaRPr lang="en-US"/>
           </a:p>
@@ -1447,7 +1447,7 @@
           <a:p>
             <a:fld id="{145C530C-477C-194C-8B92-CA968C2BDAE6}" type="datetimeFigureOut">
               <a:rPr lang="en-US" smtClean="0"/>
-              <a:t>9/20/15</a:t>
+              <a:t>9/28/15</a:t>
             </a:fld>
             <a:endParaRPr lang="en-US"/>
           </a:p>
@@ -1617,7 +1617,7 @@
           <a:p>
             <a:fld id="{145C530C-477C-194C-8B92-CA968C2BDAE6}" type="datetimeFigureOut">
               <a:rPr lang="en-US" smtClean="0"/>
-              <a:t>9/20/15</a:t>
+              <a:t>9/28/15</a:t>
             </a:fld>
             <a:endParaRPr lang="en-US"/>
           </a:p>
@@ -1863,7 +1863,7 @@
           <a:p>
             <a:fld id="{145C530C-477C-194C-8B92-CA968C2BDAE6}" type="datetimeFigureOut">
               <a:rPr lang="en-US" smtClean="0"/>
-              <a:t>9/20/15</a:t>
+              <a:t>9/28/15</a:t>
             </a:fld>
             <a:endParaRPr lang="en-US"/>
           </a:p>
@@ -2151,7 +2151,7 @@
           <a:p>
             <a:fld id="{145C530C-477C-194C-8B92-CA968C2BDAE6}" type="datetimeFigureOut">
               <a:rPr lang="en-US" smtClean="0"/>
-              <a:t>9/20/15</a:t>
+              <a:t>9/28/15</a:t>
             </a:fld>
             <a:endParaRPr lang="en-US"/>
           </a:p>
@@ -2573,7 +2573,7 @@
           <a:p>
             <a:fld id="{145C530C-477C-194C-8B92-CA968C2BDAE6}" type="datetimeFigureOut">
               <a:rPr lang="en-US" smtClean="0"/>
-              <a:t>9/20/15</a:t>
+              <a:t>9/28/15</a:t>
             </a:fld>
             <a:endParaRPr lang="en-US"/>
           </a:p>
@@ -2691,7 +2691,7 @@
           <a:p>
             <a:fld id="{145C530C-477C-194C-8B92-CA968C2BDAE6}" type="datetimeFigureOut">
               <a:rPr lang="en-US" smtClean="0"/>
-              <a:t>9/20/15</a:t>
+              <a:t>9/28/15</a:t>
             </a:fld>
             <a:endParaRPr lang="en-US"/>
           </a:p>
@@ -2786,7 +2786,7 @@
           <a:p>
             <a:fld id="{145C530C-477C-194C-8B92-CA968C2BDAE6}" type="datetimeFigureOut">
               <a:rPr lang="en-US" smtClean="0"/>
-              <a:t>9/20/15</a:t>
+              <a:t>9/28/15</a:t>
             </a:fld>
             <a:endParaRPr lang="en-US"/>
           </a:p>
@@ -3063,7 +3063,7 @@
           <a:p>
             <a:fld id="{145C530C-477C-194C-8B92-CA968C2BDAE6}" type="datetimeFigureOut">
               <a:rPr lang="en-US" smtClean="0"/>
-              <a:t>9/20/15</a:t>
+              <a:t>9/28/15</a:t>
             </a:fld>
             <a:endParaRPr lang="en-US"/>
           </a:p>
@@ -3316,7 +3316,7 @@
           <a:p>
             <a:fld id="{145C530C-477C-194C-8B92-CA968C2BDAE6}" type="datetimeFigureOut">
               <a:rPr lang="en-US" smtClean="0"/>
-              <a:t>9/20/15</a:t>
+              <a:t>9/28/15</a:t>
             </a:fld>
             <a:endParaRPr lang="en-US"/>
           </a:p>
@@ -3529,7 +3529,7 @@
           <a:p>
             <a:fld id="{145C530C-477C-194C-8B92-CA968C2BDAE6}" type="datetimeFigureOut">
               <a:rPr lang="en-US" smtClean="0"/>
-              <a:t>9/20/15</a:t>
+              <a:t>9/28/15</a:t>
             </a:fld>
             <a:endParaRPr lang="en-US"/>
           </a:p>
@@ -3971,6 +3971,13 @@
   <p:clrMapOvr>
     <a:masterClrMapping/>
   </p:clrMapOvr>
+  <p:timing>
+    <p:tnLst>
+      <p:par>
+        <p:cTn xmlns:p14="http://schemas.microsoft.com/office/powerpoint/2010/main" id="1" dur="indefinite" restart="never" nodeType="tmRoot"/>
+      </p:par>
+    </p:tnLst>
+  </p:timing>
 </p:sld>
 </file>
 
@@ -4093,6 +4100,13 @@
   <p:clrMapOvr>
     <a:masterClrMapping/>
   </p:clrMapOvr>
+  <p:timing>
+    <p:tnLst>
+      <p:par>
+        <p:cTn xmlns:p14="http://schemas.microsoft.com/office/powerpoint/2010/main" id="1" dur="indefinite" restart="never" nodeType="tmRoot"/>
+      </p:par>
+    </p:tnLst>
+  </p:timing>
 </p:sld>
 </file>
 
@@ -4426,6 +4440,13 @@
   <p:clrMapOvr>
     <a:masterClrMapping/>
   </p:clrMapOvr>
+  <p:timing>
+    <p:tnLst>
+      <p:par>
+        <p:cTn xmlns:p14="http://schemas.microsoft.com/office/powerpoint/2010/main" id="1" dur="indefinite" restart="never" nodeType="tmRoot"/>
+      </p:par>
+    </p:tnLst>
+  </p:timing>
 </p:sld>
 </file>
 
@@ -4560,6 +4581,13 @@
   <p:clrMapOvr>
     <a:masterClrMapping/>
   </p:clrMapOvr>
+  <p:timing>
+    <p:tnLst>
+      <p:par>
+        <p:cTn xmlns:p14="http://schemas.microsoft.com/office/powerpoint/2010/main" id="1" dur="indefinite" restart="never" nodeType="tmRoot"/>
+      </p:par>
+    </p:tnLst>
+  </p:timing>
 </p:sld>
 </file>
 
@@ -4671,6 +4699,13 @@
   <p:clrMapOvr>
     <a:masterClrMapping/>
   </p:clrMapOvr>
+  <p:timing>
+    <p:tnLst>
+      <p:par>
+        <p:cTn xmlns:p14="http://schemas.microsoft.com/office/powerpoint/2010/main" id="1" dur="indefinite" restart="never" nodeType="tmRoot"/>
+      </p:par>
+    </p:tnLst>
+  </p:timing>
 </p:sld>
 </file>
 
@@ -4761,6 +4796,13 @@
   <p:clrMapOvr>
     <a:masterClrMapping/>
   </p:clrMapOvr>
+  <p:timing>
+    <p:tnLst>
+      <p:par>
+        <p:cTn xmlns:p14="http://schemas.microsoft.com/office/powerpoint/2010/main" id="1" dur="indefinite" restart="never" nodeType="tmRoot"/>
+      </p:par>
+    </p:tnLst>
+  </p:timing>
 </p:sld>
 </file>
 
@@ -4885,6 +4927,13 @@
   <p:clrMapOvr>
     <a:masterClrMapping/>
   </p:clrMapOvr>
+  <p:timing>
+    <p:tnLst>
+      <p:par>
+        <p:cTn xmlns:p14="http://schemas.microsoft.com/office/powerpoint/2010/main" id="1" dur="indefinite" restart="never" nodeType="tmRoot"/>
+      </p:par>
+    </p:tnLst>
+  </p:timing>
 </p:sld>
 </file>
 
@@ -5040,6 +5089,13 @@
   <p:clrMapOvr>
     <a:masterClrMapping/>
   </p:clrMapOvr>
+  <p:timing>
+    <p:tnLst>
+      <p:par>
+        <p:cTn xmlns:p14="http://schemas.microsoft.com/office/powerpoint/2010/main" id="1" dur="indefinite" restart="never" nodeType="tmRoot"/>
+      </p:par>
+    </p:tnLst>
+  </p:timing>
 </p:sld>
 </file>
 
@@ -5566,6 +5622,13 @@
   <p:clrMapOvr>
     <a:masterClrMapping/>
   </p:clrMapOvr>
+  <p:timing>
+    <p:tnLst>
+      <p:par>
+        <p:cTn xmlns:p14="http://schemas.microsoft.com/office/powerpoint/2010/main" id="1" dur="indefinite" restart="never" nodeType="tmRoot"/>
+      </p:par>
+    </p:tnLst>
+  </p:timing>
 </p:sld>
 </file>
 
@@ -5682,6 +5745,13 @@
   <p:clrMapOvr>
     <a:masterClrMapping/>
   </p:clrMapOvr>
+  <p:timing>
+    <p:tnLst>
+      <p:par>
+        <p:cTn xmlns:p14="http://schemas.microsoft.com/office/powerpoint/2010/main" id="1" dur="indefinite" restart="never" nodeType="tmRoot"/>
+      </p:par>
+    </p:tnLst>
+  </p:timing>
 </p:sld>
 </file>
 
@@ -5993,6 +6063,13 @@
   <p:clrMapOvr>
     <a:masterClrMapping/>
   </p:clrMapOvr>
+  <p:timing>
+    <p:tnLst>
+      <p:par>
+        <p:cTn xmlns:p14="http://schemas.microsoft.com/office/powerpoint/2010/main" id="1" dur="indefinite" restart="never" nodeType="tmRoot"/>
+      </p:par>
+    </p:tnLst>
+  </p:timing>
 </p:sld>
 </file>
 
@@ -6065,6 +6142,13 @@
   <p:clrMapOvr>
     <a:masterClrMapping/>
   </p:clrMapOvr>
+  <p:timing>
+    <p:tnLst>
+      <p:par>
+        <p:cTn xmlns:p14="http://schemas.microsoft.com/office/powerpoint/2010/main" id="1" dur="indefinite" restart="never" nodeType="tmRoot"/>
+      </p:par>
+    </p:tnLst>
+  </p:timing>
 </p:sld>
 </file>
 
@@ -6863,6 +6947,13 @@
   <p:clrMapOvr>
     <a:masterClrMapping/>
   </p:clrMapOvr>
+  <p:timing>
+    <p:tnLst>
+      <p:par>
+        <p:cTn xmlns:p14="http://schemas.microsoft.com/office/powerpoint/2010/main" id="1" dur="indefinite" restart="never" nodeType="tmRoot"/>
+      </p:par>
+    </p:tnLst>
+  </p:timing>
 </p:sld>
 </file>
 
@@ -6935,6 +7026,13 @@
   <p:clrMapOvr>
     <a:masterClrMapping/>
   </p:clrMapOvr>
+  <p:timing>
+    <p:tnLst>
+      <p:par>
+        <p:cTn xmlns:p14="http://schemas.microsoft.com/office/powerpoint/2010/main" id="1" dur="indefinite" restart="never" nodeType="tmRoot"/>
+      </p:par>
+    </p:tnLst>
+  </p:timing>
 </p:sld>
 </file>
 
@@ -7015,6 +7113,13 @@
   <p:clrMapOvr>
     <a:masterClrMapping/>
   </p:clrMapOvr>
+  <p:timing>
+    <p:tnLst>
+      <p:par>
+        <p:cTn xmlns:p14="http://schemas.microsoft.com/office/powerpoint/2010/main" id="1" dur="indefinite" restart="never" nodeType="tmRoot"/>
+      </p:par>
+    </p:tnLst>
+  </p:timing>
 </p:sld>
 </file>
 
@@ -7071,20 +7176,27 @@
         <p:spPr/>
         <p:txBody>
           <a:bodyPr>
-            <a:normAutofit fontScale="70000" lnSpcReduction="20000"/>
+            <a:normAutofit fontScale="62500" lnSpcReduction="20000"/>
           </a:bodyPr>
           <a:lstStyle/>
           <a:p>
             <a:r>
               <a:rPr lang="en-US" dirty="0" smtClean="0"/>
-              <a:t>Shell script is a specialized language that lets you interact with your operating system by typing commands into a text window.</a:t>
+              <a:t>Shell script is a specialized language that lets you interact with your operating system by typing commands into terminal.</a:t>
             </a:r>
           </a:p>
           <a:p>
             <a:pPr lvl="1"/>
             <a:r>
               <a:rPr lang="en-US" dirty="0" smtClean="0"/>
-              <a:t>You can do things like move files around, create directories, copy things, start other programs.</a:t>
+              <a:t>You can do basically everything you can do on your normal computer. </a:t>
+            </a:r>
+          </a:p>
+          <a:p>
+            <a:pPr lvl="2"/>
+            <a:r>
+              <a:rPr lang="en-US" dirty="0" smtClean="0"/>
+              <a:t>Things like move files around, create directories, start other programs, etc.</a:t>
             </a:r>
           </a:p>
           <a:p>
@@ -7127,31 +7239,7 @@
             <a:pPr lvl="1"/>
             <a:r>
               <a:rPr lang="en-US" dirty="0" smtClean="0"/>
-              <a:t>The shell is different on windows (</a:t>
-            </a:r>
-            <a:r>
-              <a:rPr lang="en-US" dirty="0" err="1" smtClean="0"/>
-              <a:t>cmd</a:t>
-            </a:r>
-            <a:r>
-              <a:rPr lang="en-US" dirty="0" smtClean="0"/>
-              <a:t>) and on mac/</a:t>
-            </a:r>
-            <a:r>
-              <a:rPr lang="en-US" dirty="0" err="1" smtClean="0"/>
-              <a:t>unix</a:t>
-            </a:r>
-            <a:r>
-              <a:rPr lang="en-US" dirty="0" smtClean="0"/>
-              <a:t> (bash or </a:t>
-            </a:r>
-            <a:r>
-              <a:rPr lang="en-US" dirty="0" err="1" smtClean="0"/>
-              <a:t>sh</a:t>
-            </a:r>
-            <a:r>
-              <a:rPr lang="en-US" dirty="0" smtClean="0"/>
-              <a:t>)</a:t>
+              <a:t>Depending on your operating system, there may be variations in the commands and format that you will use.</a:t>
             </a:r>
           </a:p>
           <a:p>
@@ -7279,6 +7367,13 @@
   <p:clrMapOvr>
     <a:masterClrMapping/>
   </p:clrMapOvr>
+  <p:timing>
+    <p:tnLst>
+      <p:par>
+        <p:cTn xmlns:p14="http://schemas.microsoft.com/office/powerpoint/2010/main" id="1" dur="indefinite" restart="never" nodeType="tmRoot"/>
+      </p:par>
+    </p:tnLst>
+  </p:timing>
 </p:sld>
 </file>
 
@@ -7381,20 +7476,19 @@
           <a:p>
             <a:r>
               <a:rPr lang="en-US" dirty="0" smtClean="0"/>
-              <a:t>These languages but they treat data as a principle unit of analysis.</a:t>
-            </a:r>
-          </a:p>
-          <a:p>
-            <a:r>
-              <a:rPr lang="en-US" dirty="0" smtClean="0"/>
-              <a:t>There are many commands designed to work with data vectors and data tables, which make a lot of data tasks simple to write down</a:t>
-            </a:r>
-          </a:p>
-          <a:p>
-            <a:pPr lvl="1"/>
-            <a:r>
-              <a:rPr lang="en-US" dirty="0" smtClean="0"/>
-              <a:t>Other tasks may be difficult to perform (or slow, or messy..)</a:t>
+              <a:t>These languages but they treat data as a principle unit of analysis</a:t>
+            </a:r>
+          </a:p>
+          <a:p>
+            <a:r>
+              <a:rPr lang="en-US" dirty="0" smtClean="0"/>
+              <a:t>However they make for poor general purpose languages because they’re so focused on data centric computation</a:t>
+            </a:r>
+          </a:p>
+          <a:p>
+            <a:r>
+              <a:rPr lang="en-US" dirty="0" smtClean="0"/>
+              <a:t>Other tasks are possible may be difficult to perform (or slow, or messy..)</a:t>
             </a:r>
           </a:p>
           <a:p>
@@ -7447,6 +7541,13 @@
   <p:clrMapOvr>
     <a:masterClrMapping/>
   </p:clrMapOvr>
+  <p:timing>
+    <p:tnLst>
+      <p:par>
+        <p:cTn xmlns:p14="http://schemas.microsoft.com/office/powerpoint/2010/main" id="1" dur="indefinite" restart="never" nodeType="tmRoot"/>
+      </p:par>
+    </p:tnLst>
+  </p:timing>
 </p:sld>
 </file>
 
@@ -7526,7 +7627,7 @@
           <a:p>
             <a:r>
               <a:rPr lang="en-US" dirty="0" smtClean="0"/>
-              <a:t>You can see that there’s a lot more code than Shell Script or R.</a:t>
+              <a:t>You can see that there’s a lot more code than Shell Script or R</a:t>
             </a:r>
           </a:p>
           <a:p>
@@ -7541,15 +7642,14 @@
             </a:r>
             <a:r>
               <a:rPr lang="en-US" dirty="0" smtClean="0"/>
-              <a:t> language = 2.  This allocates enough memory to store an integer </a:t>
-            </a:r>
-            <a:endParaRPr lang="en-US" dirty="0"/>
+              <a:t> language = 2.  This allocates enough memory to store an integer and cannot be changed</a:t>
+            </a:r>
           </a:p>
           <a:p>
             <a:pPr lvl="1"/>
             <a:r>
               <a:rPr lang="en-US" dirty="0" smtClean="0"/>
-              <a:t>C++ has static typing – this means that once we declare language to be an integer, it can never hold another type of data.   </a:t>
+              <a:t>C++ is statically typed– this means that once we declare language to be an integer, it can never hold another type of data.   </a:t>
             </a:r>
           </a:p>
           <a:p>
@@ -7558,10 +7658,6 @@
               <a:rPr lang="en-US" dirty="0" smtClean="0"/>
               <a:t>This helps performance, though it reduces flexibility.</a:t>
             </a:r>
-          </a:p>
-          <a:p>
-            <a:pPr lvl="1"/>
-            <a:endParaRPr lang="en-US" dirty="0" smtClean="0"/>
           </a:p>
           <a:p>
             <a:pPr marL="0" indent="0">
@@ -8068,6 +8164,13 @@
   <p:clrMapOvr>
     <a:masterClrMapping/>
   </p:clrMapOvr>
+  <p:timing>
+    <p:tnLst>
+      <p:par>
+        <p:cTn xmlns:p14="http://schemas.microsoft.com/office/powerpoint/2010/main" id="1" dur="indefinite" restart="never" nodeType="tmRoot"/>
+      </p:par>
+    </p:tnLst>
+  </p:timing>
 </p:sld>
 </file>
 
@@ -8130,35 +8233,19 @@
           <a:p>
             <a:r>
               <a:rPr lang="en-US" dirty="0" smtClean="0"/>
-              <a:t>Java is a bit higher-level than C/C++</a:t>
-            </a:r>
-          </a:p>
-          <a:p>
-            <a:r>
-              <a:rPr lang="en-US" dirty="0" smtClean="0"/>
-              <a:t>It’s a very popular language in commercial applications.</a:t>
-            </a:r>
-          </a:p>
-          <a:p>
-            <a:r>
-              <a:rPr lang="en-US" dirty="0" smtClean="0"/>
-              <a:t>It’s very </a:t>
-            </a:r>
-            <a:r>
-              <a:rPr lang="en-US" dirty="0" smtClean="0"/>
-              <a:t>verbose.  </a:t>
-            </a:r>
-            <a:r>
-              <a:rPr lang="en-US" dirty="0" smtClean="0"/>
-              <a:t>You have to </a:t>
-            </a:r>
-            <a:r>
-              <a:rPr lang="en-US" dirty="0" err="1" smtClean="0"/>
-              <a:t>explictly</a:t>
-            </a:r>
-            <a:r>
-              <a:rPr lang="en-US" dirty="0" smtClean="0"/>
-              <a:t> state how different program components interact with each other.</a:t>
+              <a:t>Java is a higher-level than C/C++ but is also statically typed</a:t>
+            </a:r>
+          </a:p>
+          <a:p>
+            <a:r>
+              <a:rPr lang="en-US" dirty="0" smtClean="0"/>
+              <a:t>It’s a very popular language in commercial and enterprise applications</a:t>
+            </a:r>
+          </a:p>
+          <a:p>
+            <a:r>
+              <a:rPr lang="en-US" dirty="0" smtClean="0"/>
+              <a:t>It’s very verbose.  You have to explicitly state how different program components interact with each other.</a:t>
             </a:r>
           </a:p>
           <a:p>
@@ -8602,6 +8689,13 @@
   <p:clrMapOvr>
     <a:masterClrMapping/>
   </p:clrMapOvr>
+  <p:timing>
+    <p:tnLst>
+      <p:par>
+        <p:cTn xmlns:p14="http://schemas.microsoft.com/office/powerpoint/2010/main" id="1" dur="indefinite" restart="never" nodeType="tmRoot"/>
+      </p:par>
+    </p:tnLst>
+  </p:timing>
 </p:sld>
 </file>
 
@@ -8928,6 +9022,13 @@
   <p:clrMapOvr>
     <a:masterClrMapping/>
   </p:clrMapOvr>
+  <p:timing>
+    <p:tnLst>
+      <p:par>
+        <p:cTn xmlns:p14="http://schemas.microsoft.com/office/powerpoint/2010/main" id="1" dur="indefinite" restart="never" nodeType="tmRoot"/>
+      </p:par>
+    </p:tnLst>
+  </p:timing>
 </p:sld>
 </file>
 
@@ -9041,8 +9142,8 @@
         </p:blipFill>
         <p:spPr>
           <a:xfrm>
-            <a:off x="1924312" y="5060154"/>
-            <a:ext cx="5295377" cy="1066009"/>
+            <a:off x="1519497" y="4897168"/>
+            <a:ext cx="6105006" cy="1228995"/>
           </a:xfrm>
           <a:prstGeom prst="rect">
             <a:avLst/>
@@ -9059,6 +9160,13 @@
   <p:clrMapOvr>
     <a:masterClrMapping/>
   </p:clrMapOvr>
+  <p:timing>
+    <p:tnLst>
+      <p:par>
+        <p:cTn xmlns:p14="http://schemas.microsoft.com/office/powerpoint/2010/main" id="1" dur="indefinite" restart="never" nodeType="tmRoot"/>
+      </p:par>
+    </p:tnLst>
+  </p:timing>
 </p:sld>
 </file>
 
@@ -9295,6 +9403,13 @@
   <p:clrMapOvr>
     <a:masterClrMapping/>
   </p:clrMapOvr>
+  <p:timing>
+    <p:tnLst>
+      <p:par>
+        <p:cTn xmlns:p14="http://schemas.microsoft.com/office/powerpoint/2010/main" id="1" dur="indefinite" restart="never" nodeType="tmRoot"/>
+      </p:par>
+    </p:tnLst>
+  </p:timing>
 </p:sld>
 </file>
 
@@ -9421,6 +9536,13 @@
   <p:clrMapOvr>
     <a:masterClrMapping/>
   </p:clrMapOvr>
+  <p:timing>
+    <p:tnLst>
+      <p:par>
+        <p:cTn xmlns:p14="http://schemas.microsoft.com/office/powerpoint/2010/main" id="1" dur="indefinite" restart="never" nodeType="tmRoot"/>
+      </p:par>
+    </p:tnLst>
+  </p:timing>
 </p:sld>
 </file>
 
@@ -9593,6 +9715,13 @@
   <p:clrMapOvr>
     <a:masterClrMapping/>
   </p:clrMapOvr>
+  <p:timing>
+    <p:tnLst>
+      <p:par>
+        <p:cTn xmlns:p14="http://schemas.microsoft.com/office/powerpoint/2010/main" id="1" dur="indefinite" restart="never" nodeType="tmRoot"/>
+      </p:par>
+    </p:tnLst>
+  </p:timing>
 </p:sld>
 </file>
 
@@ -9670,40 +9799,59 @@
             <a:pPr lvl="1"/>
             <a:r>
               <a:rPr lang="en-US" dirty="0" smtClean="0"/>
-              <a:t>For a long time, there have been a few data tasks that weren’t easily available in python.</a:t>
+              <a:t>For a long time, data oriented computation was difficult in python</a:t>
             </a:r>
           </a:p>
           <a:p>
             <a:pPr lvl="1"/>
             <a:r>
               <a:rPr lang="en-US" dirty="0" smtClean="0"/>
-              <a:t>That’s changing, and most data analysis tasks are now easy to do in python</a:t>
+              <a:t>That’s changing because of the </a:t>
+            </a:r>
+            <a:r>
+              <a:rPr lang="en-US" dirty="0" err="1" smtClean="0"/>
+              <a:t>PyData</a:t>
+            </a:r>
+            <a:r>
+              <a:rPr lang="en-US" dirty="0" smtClean="0"/>
+              <a:t> libraries that we</a:t>
+            </a:r>
+            <a:r>
+              <a:rPr lang="fr-FR" dirty="0" smtClean="0"/>
+              <a:t>’</a:t>
+            </a:r>
+            <a:r>
+              <a:rPr lang="en-US" dirty="0" smtClean="0"/>
+              <a:t>re going to see later in this course</a:t>
             </a:r>
           </a:p>
           <a:p>
             <a:pPr lvl="1"/>
             <a:r>
               <a:rPr lang="en-US" dirty="0" smtClean="0"/>
-              <a:t>The syntax of python is also clean and easy to deal with, and errors are a lot easier to debug.</a:t>
+              <a:t>The syntax of python is also clean and easy to deal with, and errors are a lot easier to debug</a:t>
             </a:r>
           </a:p>
           <a:p>
             <a:pPr lvl="1"/>
             <a:r>
               <a:rPr lang="en-US" dirty="0" smtClean="0"/>
-              <a:t>If you’re analyzing data as part of a larger system, python makes the general programming part a lot easier.</a:t>
-            </a:r>
-          </a:p>
-          <a:p>
-            <a:r>
-              <a:rPr lang="en-US" dirty="0" smtClean="0"/>
-              <a:t>The answer if ultimately </a:t>
-            </a:r>
-            <a:r>
-              <a:rPr lang="en-US" dirty="0" smtClean="0"/>
-              <a:t>unclear Python and R both have their strengths and weaknesses</a:t>
-            </a:r>
-            <a:endParaRPr lang="en-US" dirty="0" smtClean="0"/>
+              <a:t>If you’re analyzing data as part of a larger system, python makes the general programming part a lot easier</a:t>
+            </a:r>
+          </a:p>
+          <a:p>
+            <a:r>
+              <a:rPr lang="en-US" dirty="0" smtClean="0"/>
+              <a:t>The </a:t>
+            </a:r>
+            <a:r>
+              <a:rPr lang="en-US" smtClean="0"/>
+              <a:t>answer is </a:t>
+            </a:r>
+            <a:r>
+              <a:rPr lang="en-US" dirty="0" smtClean="0"/>
+              <a:t>ultimately unclear Python and R both have their strengths and weaknesses</a:t>
+            </a:r>
           </a:p>
           <a:p>
             <a:pPr lvl="1"/>
@@ -9721,6 +9869,13 @@
   <p:clrMapOvr>
     <a:masterClrMapping/>
   </p:clrMapOvr>
+  <p:timing>
+    <p:tnLst>
+      <p:par>
+        <p:cTn xmlns:p14="http://schemas.microsoft.com/office/powerpoint/2010/main" id="1" dur="indefinite" restart="never" nodeType="tmRoot"/>
+      </p:par>
+    </p:tnLst>
+  </p:timing>
 </p:sld>
 </file>
 
@@ -9781,6 +9936,13 @@
   <p:clrMapOvr>
     <a:masterClrMapping/>
   </p:clrMapOvr>
+  <p:timing>
+    <p:tnLst>
+      <p:par>
+        <p:cTn xmlns:p14="http://schemas.microsoft.com/office/powerpoint/2010/main" id="1" dur="indefinite" restart="never" nodeType="tmRoot"/>
+      </p:par>
+    </p:tnLst>
+  </p:timing>
 </p:sld>
 </file>
 
@@ -10035,6 +10197,13 @@
   <p:clrMapOvr>
     <a:masterClrMapping/>
   </p:clrMapOvr>
+  <p:timing>
+    <p:tnLst>
+      <p:par>
+        <p:cTn xmlns:p14="http://schemas.microsoft.com/office/powerpoint/2010/main" id="1" dur="indefinite" restart="never" nodeType="tmRoot"/>
+      </p:par>
+    </p:tnLst>
+  </p:timing>
 </p:sld>
 </file>
 
@@ -10155,6 +10324,13 @@
   <p:clrMapOvr>
     <a:masterClrMapping/>
   </p:clrMapOvr>
+  <p:timing>
+    <p:tnLst>
+      <p:par>
+        <p:cTn xmlns:p14="http://schemas.microsoft.com/office/powerpoint/2010/main" id="1" dur="indefinite" restart="never" nodeType="tmRoot"/>
+      </p:par>
+    </p:tnLst>
+  </p:timing>
 </p:sld>
 </file>
 
@@ -10303,6 +10479,13 @@
   <p:clrMapOvr>
     <a:masterClrMapping/>
   </p:clrMapOvr>
+  <p:timing>
+    <p:tnLst>
+      <p:par>
+        <p:cTn xmlns:p14="http://schemas.microsoft.com/office/powerpoint/2010/main" id="1" dur="indefinite" restart="never" nodeType="tmRoot"/>
+      </p:par>
+    </p:tnLst>
+  </p:timing>
 </p:sld>
 </file>
 
@@ -10447,6 +10630,13 @@
   <p:clrMapOvr>
     <a:masterClrMapping/>
   </p:clrMapOvr>
+  <p:timing>
+    <p:tnLst>
+      <p:par>
+        <p:cTn xmlns:p14="http://schemas.microsoft.com/office/powerpoint/2010/main" id="1" dur="indefinite" restart="never" nodeType="tmRoot"/>
+      </p:par>
+    </p:tnLst>
+  </p:timing>
 </p:sld>
 </file>
 
@@ -10519,6 +10709,13 @@
   <p:clrMapOvr>
     <a:masterClrMapping/>
   </p:clrMapOvr>
+  <p:timing>
+    <p:tnLst>
+      <p:par>
+        <p:cTn xmlns:p14="http://schemas.microsoft.com/office/powerpoint/2010/main" id="1" dur="indefinite" restart="never" nodeType="tmRoot"/>
+      </p:par>
+    </p:tnLst>
+  </p:timing>
 </p:sld>
 </file>
 
@@ -10842,6 +11039,13 @@
   <p:clrMapOvr>
     <a:masterClrMapping/>
   </p:clrMapOvr>
+  <p:timing>
+    <p:tnLst>
+      <p:par>
+        <p:cTn xmlns:p14="http://schemas.microsoft.com/office/powerpoint/2010/main" id="1" dur="indefinite" restart="never" nodeType="tmRoot"/>
+      </p:par>
+    </p:tnLst>
+  </p:timing>
 </p:sld>
 </file>
 

--- a/week_1/1.1 - 1.5 Intro to Python.pptx
+++ b/week_1/1.1 - 1.5 Intro to Python.pptx
@@ -223,7 +223,7 @@
           <a:p>
             <a:fld id="{2B1A9BC7-5E19-CB4B-B22A-915B012DE73A}" type="datetimeFigureOut">
               <a:rPr lang="en-US" smtClean="0"/>
-              <a:t>9/20/15</a:t>
+              <a:t>9/28/15</a:t>
             </a:fld>
             <a:endParaRPr lang="en-US"/>
           </a:p>
@@ -1097,7 +1097,7 @@
           <a:p>
             <a:fld id="{145C530C-477C-194C-8B92-CA968C2BDAE6}" type="datetimeFigureOut">
               <a:rPr lang="en-US" smtClean="0"/>
-              <a:t>9/20/15</a:t>
+              <a:t>9/28/15</a:t>
             </a:fld>
             <a:endParaRPr lang="en-US"/>
           </a:p>
@@ -1267,7 +1267,7 @@
           <a:p>
             <a:fld id="{145C530C-477C-194C-8B92-CA968C2BDAE6}" type="datetimeFigureOut">
               <a:rPr lang="en-US" smtClean="0"/>
-              <a:t>9/20/15</a:t>
+              <a:t>9/28/15</a:t>
             </a:fld>
             <a:endParaRPr lang="en-US"/>
           </a:p>
@@ -1447,7 +1447,7 @@
           <a:p>
             <a:fld id="{145C530C-477C-194C-8B92-CA968C2BDAE6}" type="datetimeFigureOut">
               <a:rPr lang="en-US" smtClean="0"/>
-              <a:t>9/20/15</a:t>
+              <a:t>9/28/15</a:t>
             </a:fld>
             <a:endParaRPr lang="en-US"/>
           </a:p>
@@ -1617,7 +1617,7 @@
           <a:p>
             <a:fld id="{145C530C-477C-194C-8B92-CA968C2BDAE6}" type="datetimeFigureOut">
               <a:rPr lang="en-US" smtClean="0"/>
-              <a:t>9/20/15</a:t>
+              <a:t>9/28/15</a:t>
             </a:fld>
             <a:endParaRPr lang="en-US"/>
           </a:p>
@@ -1863,7 +1863,7 @@
           <a:p>
             <a:fld id="{145C530C-477C-194C-8B92-CA968C2BDAE6}" type="datetimeFigureOut">
               <a:rPr lang="en-US" smtClean="0"/>
-              <a:t>9/20/15</a:t>
+              <a:t>9/28/15</a:t>
             </a:fld>
             <a:endParaRPr lang="en-US"/>
           </a:p>
@@ -2151,7 +2151,7 @@
           <a:p>
             <a:fld id="{145C530C-477C-194C-8B92-CA968C2BDAE6}" type="datetimeFigureOut">
               <a:rPr lang="en-US" smtClean="0"/>
-              <a:t>9/20/15</a:t>
+              <a:t>9/28/15</a:t>
             </a:fld>
             <a:endParaRPr lang="en-US"/>
           </a:p>
@@ -2573,7 +2573,7 @@
           <a:p>
             <a:fld id="{145C530C-477C-194C-8B92-CA968C2BDAE6}" type="datetimeFigureOut">
               <a:rPr lang="en-US" smtClean="0"/>
-              <a:t>9/20/15</a:t>
+              <a:t>9/28/15</a:t>
             </a:fld>
             <a:endParaRPr lang="en-US"/>
           </a:p>
@@ -2691,7 +2691,7 @@
           <a:p>
             <a:fld id="{145C530C-477C-194C-8B92-CA968C2BDAE6}" type="datetimeFigureOut">
               <a:rPr lang="en-US" smtClean="0"/>
-              <a:t>9/20/15</a:t>
+              <a:t>9/28/15</a:t>
             </a:fld>
             <a:endParaRPr lang="en-US"/>
           </a:p>
@@ -2786,7 +2786,7 @@
           <a:p>
             <a:fld id="{145C530C-477C-194C-8B92-CA968C2BDAE6}" type="datetimeFigureOut">
               <a:rPr lang="en-US" smtClean="0"/>
-              <a:t>9/20/15</a:t>
+              <a:t>9/28/15</a:t>
             </a:fld>
             <a:endParaRPr lang="en-US"/>
           </a:p>
@@ -3063,7 +3063,7 @@
           <a:p>
             <a:fld id="{145C530C-477C-194C-8B92-CA968C2BDAE6}" type="datetimeFigureOut">
               <a:rPr lang="en-US" smtClean="0"/>
-              <a:t>9/20/15</a:t>
+              <a:t>9/28/15</a:t>
             </a:fld>
             <a:endParaRPr lang="en-US"/>
           </a:p>
@@ -3316,7 +3316,7 @@
           <a:p>
             <a:fld id="{145C530C-477C-194C-8B92-CA968C2BDAE6}" type="datetimeFigureOut">
               <a:rPr lang="en-US" smtClean="0"/>
-              <a:t>9/20/15</a:t>
+              <a:t>9/28/15</a:t>
             </a:fld>
             <a:endParaRPr lang="en-US"/>
           </a:p>
@@ -3529,7 +3529,7 @@
           <a:p>
             <a:fld id="{145C530C-477C-194C-8B92-CA968C2BDAE6}" type="datetimeFigureOut">
               <a:rPr lang="en-US" smtClean="0"/>
-              <a:t>9/20/15</a:t>
+              <a:t>9/28/15</a:t>
             </a:fld>
             <a:endParaRPr lang="en-US"/>
           </a:p>
@@ -3971,6 +3971,13 @@
   <p:clrMapOvr>
     <a:masterClrMapping/>
   </p:clrMapOvr>
+  <p:timing>
+    <p:tnLst>
+      <p:par>
+        <p:cTn xmlns:p14="http://schemas.microsoft.com/office/powerpoint/2010/main" id="1" dur="indefinite" restart="never" nodeType="tmRoot"/>
+      </p:par>
+    </p:tnLst>
+  </p:timing>
 </p:sld>
 </file>
 
@@ -6065,6 +6072,13 @@
   <p:clrMapOvr>
     <a:masterClrMapping/>
   </p:clrMapOvr>
+  <p:timing>
+    <p:tnLst>
+      <p:par>
+        <p:cTn xmlns:p14="http://schemas.microsoft.com/office/powerpoint/2010/main" id="1" dur="indefinite" restart="never" nodeType="tmRoot"/>
+      </p:par>
+    </p:tnLst>
+  </p:timing>
 </p:sld>
 </file>
 
@@ -8142,15 +8156,7 @@
           <a:p>
             <a:r>
               <a:rPr lang="en-US" dirty="0" smtClean="0"/>
-              <a:t>It’s very </a:t>
-            </a:r>
-            <a:r>
-              <a:rPr lang="en-US" dirty="0" smtClean="0"/>
-              <a:t>verbose.  </a:t>
-            </a:r>
-            <a:r>
-              <a:rPr lang="en-US" dirty="0" smtClean="0"/>
-              <a:t>You have to </a:t>
+              <a:t>It’s very verbose.  You have to </a:t>
             </a:r>
             <a:r>
               <a:rPr lang="en-US" dirty="0" err="1" smtClean="0"/>
@@ -9421,6 +9427,13 @@
   <p:clrMapOvr>
     <a:masterClrMapping/>
   </p:clrMapOvr>
+  <p:timing>
+    <p:tnLst>
+      <p:par>
+        <p:cTn xmlns:p14="http://schemas.microsoft.com/office/powerpoint/2010/main" id="1" dur="indefinite" restart="never" nodeType="tmRoot"/>
+      </p:par>
+    </p:tnLst>
+  </p:timing>
 </p:sld>
 </file>
 
@@ -9697,13 +9710,8 @@
           <a:p>
             <a:r>
               <a:rPr lang="en-US" dirty="0" smtClean="0"/>
-              <a:t>The answer if ultimately </a:t>
-            </a:r>
-            <a:r>
-              <a:rPr lang="en-US" dirty="0" smtClean="0"/>
-              <a:t>unclear Python and R both have their strengths and weaknesses</a:t>
-            </a:r>
-            <a:endParaRPr lang="en-US" dirty="0" smtClean="0"/>
+              <a:t>The answer if ultimately unclear Python and R both have their strengths and weaknesses</a:t>
+            </a:r>
           </a:p>
           <a:p>
             <a:pPr lvl="1"/>
@@ -10035,6 +10043,13 @@
   <p:clrMapOvr>
     <a:masterClrMapping/>
   </p:clrMapOvr>
+  <p:timing>
+    <p:tnLst>
+      <p:par>
+        <p:cTn xmlns:p14="http://schemas.microsoft.com/office/powerpoint/2010/main" id="1" dur="indefinite" restart="never" nodeType="tmRoot"/>
+      </p:par>
+    </p:tnLst>
+  </p:timing>
 </p:sld>
 </file>
 
@@ -10155,6 +10170,13 @@
   <p:clrMapOvr>
     <a:masterClrMapping/>
   </p:clrMapOvr>
+  <p:timing>
+    <p:tnLst>
+      <p:par>
+        <p:cTn xmlns:p14="http://schemas.microsoft.com/office/powerpoint/2010/main" id="1" dur="indefinite" restart="never" nodeType="tmRoot"/>
+      </p:par>
+    </p:tnLst>
+  </p:timing>
 </p:sld>
 </file>
 
@@ -10303,6 +10325,13 @@
   <p:clrMapOvr>
     <a:masterClrMapping/>
   </p:clrMapOvr>
+  <p:timing>
+    <p:tnLst>
+      <p:par>
+        <p:cTn xmlns:p14="http://schemas.microsoft.com/office/powerpoint/2010/main" id="1" dur="indefinite" restart="never" nodeType="tmRoot"/>
+      </p:par>
+    </p:tnLst>
+  </p:timing>
 </p:sld>
 </file>
 
@@ -10426,8 +10455,13 @@
             <a:pPr lvl="1"/>
             <a:r>
               <a:rPr lang="en-US" dirty="0" smtClean="0"/>
-              <a:t>We’ll start learning the exact meaning of these statements soon.</a:t>
-            </a:r>
+              <a:t>As we learn to program, we’ll learn the exact meaning of these statement and how to </a:t>
+            </a:r>
+            <a:r>
+              <a:rPr lang="en-US" smtClean="0"/>
+              <a:t>construct them.</a:t>
+            </a:r>
+            <a:endParaRPr lang="en-US" dirty="0" smtClean="0"/>
           </a:p>
           <a:p>
             <a:pPr marL="457200" lvl="1" indent="0">
@@ -10447,6 +10481,13 @@
   <p:clrMapOvr>
     <a:masterClrMapping/>
   </p:clrMapOvr>
+  <p:timing>
+    <p:tnLst>
+      <p:par>
+        <p:cTn xmlns:p14="http://schemas.microsoft.com/office/powerpoint/2010/main" id="1" dur="indefinite" restart="never" nodeType="tmRoot"/>
+      </p:par>
+    </p:tnLst>
+  </p:timing>
 </p:sld>
 </file>
 
@@ -10519,6 +10560,13 @@
   <p:clrMapOvr>
     <a:masterClrMapping/>
   </p:clrMapOvr>
+  <p:timing>
+    <p:tnLst>
+      <p:par>
+        <p:cTn xmlns:p14="http://schemas.microsoft.com/office/powerpoint/2010/main" id="1" dur="indefinite" restart="never" nodeType="tmRoot"/>
+      </p:par>
+    </p:tnLst>
+  </p:timing>
 </p:sld>
 </file>
 
@@ -10842,6 +10890,13 @@
   <p:clrMapOvr>
     <a:masterClrMapping/>
   </p:clrMapOvr>
+  <p:timing>
+    <p:tnLst>
+      <p:par>
+        <p:cTn xmlns:p14="http://schemas.microsoft.com/office/powerpoint/2010/main" id="1" dur="indefinite" restart="never" nodeType="tmRoot"/>
+      </p:par>
+    </p:tnLst>
+  </p:timing>
 </p:sld>
 </file>
 
